--- a/Doku/externalFiles/MotorSteuerung.pptx
+++ b/Doku/externalFiles/MotorSteuerung.pptx
@@ -3866,7 +3866,7 @@
         </p:nvSpPr>
         <p:spPr>
           <a:xfrm>
-            <a:off x="3950129" y="2113469"/>
+            <a:off x="4048221" y="2113481"/>
             <a:ext cx="720069" cy="276999"/>
           </a:xfrm>
           <a:prstGeom prst="rect">
@@ -3928,7 +3928,7 @@
         </p:nvSpPr>
         <p:spPr>
           <a:xfrm>
-            <a:off x="3869315" y="1812229"/>
+            <a:off x="3967407" y="1812241"/>
             <a:ext cx="809837" cy="276999"/>
           </a:xfrm>
           <a:prstGeom prst="rect">
@@ -4186,6 +4186,7 @@
             <a:solidFill>
               <a:schemeClr val="tx1"/>
             </a:solidFill>
+            <a:prstDash val="sysDot"/>
             <a:tailEnd type="triangle"/>
           </a:ln>
         </p:spPr>
@@ -4554,7 +4555,6 @@
             <a:solidFill>
               <a:schemeClr val="tx1"/>
             </a:solidFill>
-            <a:prstDash val="sysDot"/>
             <a:tailEnd type="triangle"/>
           </a:ln>
         </p:spPr>
@@ -4698,6 +4698,7 @@
             <a:solidFill>
               <a:schemeClr val="tx1"/>
             </a:solidFill>
+            <a:prstDash val="sysDot"/>
             <a:tailEnd type="triangle"/>
           </a:ln>
         </p:spPr>
@@ -4743,6 +4744,7 @@
             <a:solidFill>
               <a:schemeClr val="tx1"/>
             </a:solidFill>
+            <a:prstDash val="sysDot"/>
             <a:tailEnd type="triangle"/>
           </a:ln>
         </p:spPr>
@@ -4838,7 +4840,6 @@
             <a:solidFill>
               <a:schemeClr val="tx1"/>
             </a:solidFill>
-            <a:prstDash val="sysDot"/>
             <a:tailEnd type="triangle"/>
           </a:ln>
         </p:spPr>
@@ -4895,6 +4896,330 @@
             <a:r>
               <a:rPr lang="de-DE" dirty="0"/>
               <a:t>I/0</a:t>
+            </a:r>
+          </a:p>
+        </p:txBody>
+      </p:sp>
+      <p:sp>
+        <p:nvSpPr>
+          <p:cNvPr id="175" name="Textfeld 174">
+            <a:extLst>
+              <a:ext uri="{FF2B5EF4-FFF2-40B4-BE49-F238E27FC236}">
+                <a16:creationId xmlns:a16="http://schemas.microsoft.com/office/drawing/2014/main" id="{4B04C622-C9B7-8047-BF61-8D2B1C2FDFC1}"/>
+              </a:ext>
+            </a:extLst>
+          </p:cNvPr>
+          <p:cNvSpPr txBox="1"/>
+          <p:nvPr/>
+        </p:nvSpPr>
+        <p:spPr>
+          <a:xfrm>
+            <a:off x="739478" y="3569810"/>
+            <a:ext cx="184731" cy="276999"/>
+          </a:xfrm>
+          <a:prstGeom prst="rect">
+            <a:avLst/>
+          </a:prstGeom>
+          <a:solidFill>
+            <a:schemeClr val="accent4">
+              <a:lumMod val="20000"/>
+              <a:lumOff val="80000"/>
+            </a:schemeClr>
+          </a:solidFill>
+        </p:spPr>
+        <p:txBody>
+          <a:bodyPr wrap="none" rtlCol="0">
+            <a:spAutoFit/>
+          </a:bodyPr>
+          <a:lstStyle>
+            <a:defPPr>
+              <a:defRPr lang="de-DE"/>
+            </a:defPPr>
+            <a:lvl1pPr>
+              <a:defRPr sz="1200">
+                <a:latin typeface="Calibri" panose="020F0502020204030204" pitchFamily="34" charset="0"/>
+                <a:cs typeface="Calibri" panose="020F0502020204030204" pitchFamily="34" charset="0"/>
+              </a:defRPr>
+            </a:lvl1pPr>
+          </a:lstStyle>
+          <a:p>
+            <a:endParaRPr lang="de-DE" dirty="0"/>
+          </a:p>
+        </p:txBody>
+      </p:sp>
+      <p:sp>
+        <p:nvSpPr>
+          <p:cNvPr id="176" name="Textfeld 175">
+            <a:extLst>
+              <a:ext uri="{FF2B5EF4-FFF2-40B4-BE49-F238E27FC236}">
+                <a16:creationId xmlns:a16="http://schemas.microsoft.com/office/drawing/2014/main" id="{C6E167BF-33D8-7A4E-A333-17E4F8AE20CD}"/>
+              </a:ext>
+            </a:extLst>
+          </p:cNvPr>
+          <p:cNvSpPr txBox="1"/>
+          <p:nvPr/>
+        </p:nvSpPr>
+        <p:spPr>
+          <a:xfrm>
+            <a:off x="924209" y="3569810"/>
+            <a:ext cx="870366" cy="307777"/>
+          </a:xfrm>
+          <a:prstGeom prst="rect">
+            <a:avLst/>
+          </a:prstGeom>
+          <a:noFill/>
+        </p:spPr>
+        <p:txBody>
+          <a:bodyPr wrap="none" rtlCol="0">
+            <a:spAutoFit/>
+          </a:bodyPr>
+          <a:lstStyle/>
+          <a:p>
+            <a:r>
+              <a:rPr lang="de-DE" sz="1400" dirty="0"/>
+              <a:t>=Variable</a:t>
+            </a:r>
+          </a:p>
+        </p:txBody>
+      </p:sp>
+      <p:sp>
+        <p:nvSpPr>
+          <p:cNvPr id="177" name="Textfeld 176">
+            <a:extLst>
+              <a:ext uri="{FF2B5EF4-FFF2-40B4-BE49-F238E27FC236}">
+                <a16:creationId xmlns:a16="http://schemas.microsoft.com/office/drawing/2014/main" id="{643DC10F-E99E-AE48-8483-84AD7F2F0790}"/>
+              </a:ext>
+            </a:extLst>
+          </p:cNvPr>
+          <p:cNvSpPr txBox="1"/>
+          <p:nvPr/>
+        </p:nvSpPr>
+        <p:spPr>
+          <a:xfrm>
+            <a:off x="739477" y="3906161"/>
+            <a:ext cx="184731" cy="276999"/>
+          </a:xfrm>
+          <a:prstGeom prst="rect">
+            <a:avLst/>
+          </a:prstGeom>
+          <a:solidFill>
+            <a:schemeClr val="accent6">
+              <a:lumMod val="20000"/>
+              <a:lumOff val="80000"/>
+            </a:schemeClr>
+          </a:solidFill>
+        </p:spPr>
+        <p:txBody>
+          <a:bodyPr wrap="none" rtlCol="0">
+            <a:spAutoFit/>
+          </a:bodyPr>
+          <a:lstStyle>
+            <a:defPPr>
+              <a:defRPr lang="en-US"/>
+            </a:defPPr>
+            <a:lvl1pPr>
+              <a:defRPr sz="1200">
+                <a:latin typeface="Consolas" panose="020B0609020204030204" pitchFamily="49" charset="0"/>
+                <a:cs typeface="Consolas" panose="020B0609020204030204" pitchFamily="49" charset="0"/>
+              </a:defRPr>
+            </a:lvl1pPr>
+          </a:lstStyle>
+          <a:p>
+            <a:endParaRPr lang="de-DE" dirty="0"/>
+          </a:p>
+        </p:txBody>
+      </p:sp>
+      <p:sp>
+        <p:nvSpPr>
+          <p:cNvPr id="178" name="Textfeld 177">
+            <a:extLst>
+              <a:ext uri="{FF2B5EF4-FFF2-40B4-BE49-F238E27FC236}">
+                <a16:creationId xmlns:a16="http://schemas.microsoft.com/office/drawing/2014/main" id="{86DE7D79-D592-5349-986D-936BA028E64A}"/>
+              </a:ext>
+            </a:extLst>
+          </p:cNvPr>
+          <p:cNvSpPr txBox="1"/>
+          <p:nvPr/>
+        </p:nvSpPr>
+        <p:spPr>
+          <a:xfrm>
+            <a:off x="925979" y="3875383"/>
+            <a:ext cx="917944" cy="307777"/>
+          </a:xfrm>
+          <a:prstGeom prst="rect">
+            <a:avLst/>
+          </a:prstGeom>
+          <a:noFill/>
+        </p:spPr>
+        <p:txBody>
+          <a:bodyPr wrap="none" rtlCol="0">
+            <a:spAutoFit/>
+          </a:bodyPr>
+          <a:lstStyle/>
+          <a:p>
+            <a:r>
+              <a:rPr lang="de-DE" sz="1400" dirty="0"/>
+              <a:t>=Funktion</a:t>
+            </a:r>
+          </a:p>
+        </p:txBody>
+      </p:sp>
+      <p:cxnSp>
+        <p:nvCxnSpPr>
+          <p:cNvPr id="179" name="Gerade Verbindung mit Pfeil 178">
+            <a:extLst>
+              <a:ext uri="{FF2B5EF4-FFF2-40B4-BE49-F238E27FC236}">
+                <a16:creationId xmlns:a16="http://schemas.microsoft.com/office/drawing/2014/main" id="{3C746B5C-153D-6448-921C-EE8BC95A026D}"/>
+              </a:ext>
+            </a:extLst>
+          </p:cNvPr>
+          <p:cNvCxnSpPr>
+            <a:cxnSpLocks/>
+          </p:cNvCxnSpPr>
+          <p:nvPr/>
+        </p:nvCxnSpPr>
+        <p:spPr>
+          <a:xfrm>
+            <a:off x="730601" y="4269590"/>
+            <a:ext cx="245901" cy="0"/>
+          </a:xfrm>
+          <a:prstGeom prst="straightConnector1">
+            <a:avLst/>
+          </a:prstGeom>
+          <a:ln w="19050">
+            <a:solidFill>
+              <a:schemeClr val="tx1"/>
+            </a:solidFill>
+            <a:prstDash val="sysDot"/>
+            <a:tailEnd type="triangle"/>
+          </a:ln>
+        </p:spPr>
+        <p:style>
+          <a:lnRef idx="1">
+            <a:schemeClr val="accent1"/>
+          </a:lnRef>
+          <a:fillRef idx="0">
+            <a:schemeClr val="accent1"/>
+          </a:fillRef>
+          <a:effectRef idx="0">
+            <a:schemeClr val="accent1"/>
+          </a:effectRef>
+          <a:fontRef idx="minor">
+            <a:schemeClr val="tx1"/>
+          </a:fontRef>
+        </p:style>
+      </p:cxnSp>
+      <p:sp>
+        <p:nvSpPr>
+          <p:cNvPr id="181" name="Textfeld 180">
+            <a:extLst>
+              <a:ext uri="{FF2B5EF4-FFF2-40B4-BE49-F238E27FC236}">
+                <a16:creationId xmlns:a16="http://schemas.microsoft.com/office/drawing/2014/main" id="{B9B4B762-8E68-AB48-883A-EC9DC26E89DD}"/>
+              </a:ext>
+            </a:extLst>
+          </p:cNvPr>
+          <p:cNvSpPr txBox="1"/>
+          <p:nvPr/>
+        </p:nvSpPr>
+        <p:spPr>
+          <a:xfrm>
+            <a:off x="924208" y="4137670"/>
+            <a:ext cx="1620124" cy="307777"/>
+          </a:xfrm>
+          <a:prstGeom prst="rect">
+            <a:avLst/>
+          </a:prstGeom>
+          <a:noFill/>
+        </p:spPr>
+        <p:txBody>
+          <a:bodyPr wrap="none" rtlCol="0">
+            <a:spAutoFit/>
+          </a:bodyPr>
+          <a:lstStyle/>
+          <a:p>
+            <a:r>
+              <a:rPr lang="de-DE" sz="1400" dirty="0"/>
+              <a:t>=Datenübertragung</a:t>
+            </a:r>
+          </a:p>
+        </p:txBody>
+      </p:sp>
+      <p:cxnSp>
+        <p:nvCxnSpPr>
+          <p:cNvPr id="182" name="Gerade Verbindung mit Pfeil 181">
+            <a:extLst>
+              <a:ext uri="{FF2B5EF4-FFF2-40B4-BE49-F238E27FC236}">
+                <a16:creationId xmlns:a16="http://schemas.microsoft.com/office/drawing/2014/main" id="{CB5BB9A1-12A8-7242-87DE-9DCA8A98B178}"/>
+              </a:ext>
+            </a:extLst>
+          </p:cNvPr>
+          <p:cNvCxnSpPr>
+            <a:cxnSpLocks/>
+          </p:cNvCxnSpPr>
+          <p:nvPr/>
+        </p:nvCxnSpPr>
+        <p:spPr>
+          <a:xfrm>
+            <a:off x="730601" y="4498451"/>
+            <a:ext cx="245901" cy="0"/>
+          </a:xfrm>
+          <a:prstGeom prst="straightConnector1">
+            <a:avLst/>
+          </a:prstGeom>
+          <a:ln w="19050">
+            <a:solidFill>
+              <a:schemeClr val="tx1"/>
+            </a:solidFill>
+            <a:prstDash val="solid"/>
+            <a:tailEnd type="triangle"/>
+          </a:ln>
+        </p:spPr>
+        <p:style>
+          <a:lnRef idx="1">
+            <a:schemeClr val="accent1"/>
+          </a:lnRef>
+          <a:fillRef idx="0">
+            <a:schemeClr val="accent1"/>
+          </a:fillRef>
+          <a:effectRef idx="0">
+            <a:schemeClr val="accent1"/>
+          </a:effectRef>
+          <a:fontRef idx="minor">
+            <a:schemeClr val="tx1"/>
+          </a:fontRef>
+        </p:style>
+      </p:cxnSp>
+      <p:sp>
+        <p:nvSpPr>
+          <p:cNvPr id="183" name="Textfeld 182">
+            <a:extLst>
+              <a:ext uri="{FF2B5EF4-FFF2-40B4-BE49-F238E27FC236}">
+                <a16:creationId xmlns:a16="http://schemas.microsoft.com/office/drawing/2014/main" id="{F9508F8F-0824-BA45-930F-54B82D37251A}"/>
+              </a:ext>
+            </a:extLst>
+          </p:cNvPr>
+          <p:cNvSpPr txBox="1"/>
+          <p:nvPr/>
+        </p:nvSpPr>
+        <p:spPr>
+          <a:xfrm>
+            <a:off x="953123" y="4371644"/>
+            <a:ext cx="1785361" cy="307777"/>
+          </a:xfrm>
+          <a:prstGeom prst="rect">
+            <a:avLst/>
+          </a:prstGeom>
+          <a:noFill/>
+        </p:spPr>
+        <p:txBody>
+          <a:bodyPr wrap="none" rtlCol="0">
+            <a:spAutoFit/>
+          </a:bodyPr>
+          <a:lstStyle/>
+          <a:p>
+            <a:r>
+              <a:rPr lang="de-DE" sz="1400" dirty="0"/>
+              <a:t>=Aufruf/ Ansteuerung</a:t>
             </a:r>
           </a:p>
         </p:txBody>
